--- a/pkls_n_debugging/Outputs_Examples/2 Standard data analysing - all offices in the south district/ניתוח נתונים - לכל לשכה בנפרד/לשכת באר שבע/השוואת כלל הארץ, מחוז דרום, לשכת באר שבע.pptx
+++ b/pkls_n_debugging/Outputs_Examples/2 Standard data analysing - all offices in the south district/ניתוח נתונים - לכל לשכה בנפרד/לשכת באר שבע/השוואת כלל הארץ, מחוז דרום, לשכת באר שבע.pptx
@@ -16,6 +16,11 @@
     <p:sldId id="264" r:id="rId15"/>
     <p:sldId id="265" r:id="rId16"/>
     <p:sldId id="266" r:id="rId17"/>
+    <p:sldId id="267" r:id="rId18"/>
+    <p:sldId id="268" r:id="rId19"/>
+    <p:sldId id="269" r:id="rId20"/>
+    <p:sldId id="270" r:id="rId21"/>
+    <p:sldId id="271" r:id="rId22"/>
   </p:sldIdLst>
   <p:sldSz cx="14630400" cy="8229600" type="screen4x3"/>
   <p:notesSz cx="6858000" cy="9144000"/>
@@ -3156,16 +3161,58 @@
             <a:r>
               <a:t>נתוני שירות התעסוקה</a:t>
             </a:r>
+          </a:p>
+        </p:txBody>
+      </p:sp>
+      <p:sp>
+        <p:nvSpPr>
+          <p:cNvPr id="4" name="TextBox 3"/>
+          <p:cNvSpPr txBox="1"/>
+          <p:nvPr/>
+        </p:nvSpPr>
+        <p:spPr>
+          <a:xfrm>
+            <a:off x="10515600" y="3657600"/>
+            <a:ext cx="3657600" cy="1828800"/>
+          </a:xfrm>
+          <a:prstGeom prst="rect">
+            <a:avLst/>
+          </a:prstGeom>
+          <a:noFill/>
+        </p:spPr>
+        <p:txBody>
+          <a:bodyPr wrap="none">
+            <a:spAutoFit/>
+          </a:bodyPr>
+          <a:lstStyle/>
+          <a:p/>
+          <a:p>
+            <a:pPr algn="r">
+              <a:defRPr sz="4000" b="1">
+                <a:solidFill>
+                  <a:srgbClr val="FFFFFF"/>
+                </a:solidFill>
+                <a:latin typeface="Ariel"/>
+              </a:defRPr>
+            </a:pPr>
+            <a:r>
+              <a:t>כלל הארץ</a:t>
+            </a:r>
             <a:br/>
             <a:r>
-              <a:t>השוואת כלל הארץ, מחוז דרום, לשכת באר שבע</a:t>
-            </a:r>
-          </a:p>
-        </p:txBody>
-      </p:sp>
-      <p:sp>
-        <p:nvSpPr>
-          <p:cNvPr id="4" name="TextBox 3"/>
+              <a:t>מחוז דרום</a:t>
+            </a:r>
+            <a:br/>
+            <a:r>
+              <a:t>לשכת באר שבע</a:t>
+            </a:r>
+            <a:br/>
+          </a:p>
+        </p:txBody>
+      </p:sp>
+      <p:sp>
+        <p:nvSpPr>
+          <p:cNvPr id="5" name="TextBox 4"/>
           <p:cNvSpPr txBox="1"/>
           <p:nvPr/>
         </p:nvSpPr>
@@ -3192,7 +3239,7 @@
               </a:defRPr>
             </a:pPr>
             <a:r>
-              <a:t>31/08/2021</a:t>
+              <a:t>29/09/2021</a:t>
             </a:r>
           </a:p>
         </p:txBody>
@@ -3271,456 +3318,35 @@
               </a:defRPr>
             </a:pPr>
             <a:r>
-              <a:t>מקצועות שכיחים בלשכת באר שבע</a:t>
-            </a:r>
-          </a:p>
-        </p:txBody>
-      </p:sp>
-      <p:graphicFrame>
-        <p:nvGraphicFramePr>
-          <p:cNvPr id="4" name="Table 3"/>
-          <p:cNvGraphicFramePr>
-            <a:graphicFrameLocks noGrp="1"/>
-          </p:cNvGraphicFramePr>
-          <p:nvPr/>
-        </p:nvGraphicFramePr>
-        <p:xfrm>
-          <a:off x="4572000" y="1828800"/>
-          <a:ext cx="5486400" cy="1371600"/>
-        </p:xfrm>
-        <a:graphic>
-          <a:graphicData uri="http://schemas.openxmlformats.org/drawingml/2006/table">
-            <a:tbl>
-              <a:tblPr firstRow="1" bandRow="1">
-                <a:tableStyleId>{5C22544A-7EE6-4342-B048-85BDC9FD1C3A}</a:tableStyleId>
-              </a:tblPr>
-              <a:tblGrid>
-                <a:gridCol w="1828800"/>
-                <a:gridCol w="1828800"/>
-                <a:gridCol w="1828800"/>
-              </a:tblGrid>
-              <a:tr h="124690">
-                <a:tc>
-                  <a:txBody>
-                    <a:bodyPr/>
-                    <a:lstStyle/>
-                    <a:p>
-                      <a:r>
-                        <a:t>כמות דרישות</a:t>
-                      </a:r>
-                    </a:p>
-                  </a:txBody>
-                  <a:tcPr/>
-                </a:tc>
-                <a:tc>
-                  <a:txBody>
-                    <a:bodyPr/>
-                    <a:lstStyle/>
-                    <a:p>
-                      <a:r>
-                        <a:t>שם המקצוע</a:t>
-                      </a:r>
-                    </a:p>
-                  </a:txBody>
-                  <a:tcPr/>
-                </a:tc>
-                <a:tc>
-                  <a:txBody>
-                    <a:bodyPr/>
-                    <a:lstStyle/>
-                    <a:p>
-                      <a:r>
-                        <a:t>דירוג</a:t>
-                      </a:r>
-                    </a:p>
-                  </a:txBody>
-                  <a:tcPr/>
-                </a:tc>
-              </a:tr>
-              <a:tr h="124690">
-                <a:tc>
-                  <a:txBody>
-                    <a:bodyPr/>
-                    <a:lstStyle/>
-                    <a:p>
-                      <a:r>
-                        <a:t>3167</a:t>
-                      </a:r>
-                    </a:p>
-                  </a:txBody>
-                  <a:tcPr/>
-                </a:tc>
-                <a:tc>
-                  <a:txBody>
-                    <a:bodyPr/>
-                    <a:lstStyle/>
-                    <a:p>
-                      <a:r>
-                        <a:t>עובד/ת לא מקצועי</a:t>
-                      </a:r>
-                    </a:p>
-                  </a:txBody>
-                  <a:tcPr/>
-                </a:tc>
-                <a:tc>
-                  <a:txBody>
-                    <a:bodyPr/>
-                    <a:lstStyle/>
-                    <a:p>
-                      <a:r>
-                        <a:t>1</a:t>
-                      </a:r>
-                    </a:p>
-                  </a:txBody>
-                  <a:tcPr/>
-                </a:tc>
-              </a:tr>
-              <a:tr h="124690">
-                <a:tc>
-                  <a:txBody>
-                    <a:bodyPr/>
-                    <a:lstStyle/>
-                    <a:p>
-                      <a:r>
-                        <a:t>3070</a:t>
-                      </a:r>
-                    </a:p>
-                  </a:txBody>
-                  <a:tcPr/>
-                </a:tc>
-                <a:tc>
-                  <a:txBody>
-                    <a:bodyPr/>
-                    <a:lstStyle/>
-                    <a:p>
-                      <a:r>
-                        <a:t>לא ידוע</a:t>
-                      </a:r>
-                    </a:p>
-                  </a:txBody>
-                  <a:tcPr/>
-                </a:tc>
-                <a:tc>
-                  <a:txBody>
-                    <a:bodyPr/>
-                    <a:lstStyle/>
-                    <a:p>
-                      <a:r>
-                        <a:t>2</a:t>
-                      </a:r>
-                    </a:p>
-                  </a:txBody>
-                  <a:tcPr/>
-                </a:tc>
-              </a:tr>
-              <a:tr h="124690">
-                <a:tc>
-                  <a:txBody>
-                    <a:bodyPr/>
-                    <a:lstStyle/>
-                    <a:p>
-                      <a:r>
-                        <a:t>2603</a:t>
-                      </a:r>
-                    </a:p>
-                  </a:txBody>
-                  <a:tcPr/>
-                </a:tc>
-                <a:tc>
-                  <a:txBody>
-                    <a:bodyPr/>
-                    <a:lstStyle/>
-                    <a:p>
-                      <a:r>
-                        <a:t>עובד/ת ניקיון</a:t>
-                      </a:r>
-                    </a:p>
-                  </a:txBody>
-                  <a:tcPr/>
-                </a:tc>
-                <a:tc>
-                  <a:txBody>
-                    <a:bodyPr/>
-                    <a:lstStyle/>
-                    <a:p>
-                      <a:r>
-                        <a:t>3</a:t>
-                      </a:r>
-                    </a:p>
-                  </a:txBody>
-                  <a:tcPr/>
-                </a:tc>
-              </a:tr>
-              <a:tr h="124690">
-                <a:tc>
-                  <a:txBody>
-                    <a:bodyPr/>
-                    <a:lstStyle/>
-                    <a:p>
-                      <a:r>
-                        <a:t>1383</a:t>
-                      </a:r>
-                    </a:p>
-                  </a:txBody>
-                  <a:tcPr/>
-                </a:tc>
-                <a:tc>
-                  <a:txBody>
-                    <a:bodyPr/>
-                    <a:lstStyle/>
-                    <a:p>
-                      <a:r>
-                        <a:t>מוכר/ת</a:t>
-                      </a:r>
-                    </a:p>
-                  </a:txBody>
-                  <a:tcPr/>
-                </a:tc>
-                <a:tc>
-                  <a:txBody>
-                    <a:bodyPr/>
-                    <a:lstStyle/>
-                    <a:p>
-                      <a:r>
-                        <a:t>4</a:t>
-                      </a:r>
-                    </a:p>
-                  </a:txBody>
-                  <a:tcPr/>
-                </a:tc>
-              </a:tr>
-              <a:tr h="124690">
-                <a:tc>
-                  <a:txBody>
-                    <a:bodyPr/>
-                    <a:lstStyle/>
-                    <a:p>
-                      <a:r>
-                        <a:t>1204</a:t>
-                      </a:r>
-                    </a:p>
-                  </a:txBody>
-                  <a:tcPr/>
-                </a:tc>
-                <a:tc>
-                  <a:txBody>
-                    <a:bodyPr/>
-                    <a:lstStyle/>
-                    <a:p>
-                      <a:r>
-                        <a:t>פקיד/ה כללי</a:t>
-                      </a:r>
-                    </a:p>
-                  </a:txBody>
-                  <a:tcPr/>
-                </a:tc>
-                <a:tc>
-                  <a:txBody>
-                    <a:bodyPr/>
-                    <a:lstStyle/>
-                    <a:p>
-                      <a:r>
-                        <a:t>5</a:t>
-                      </a:r>
-                    </a:p>
-                  </a:txBody>
-                  <a:tcPr/>
-                </a:tc>
-              </a:tr>
-              <a:tr h="124690">
-                <a:tc>
-                  <a:txBody>
-                    <a:bodyPr/>
-                    <a:lstStyle/>
-                    <a:p>
-                      <a:r>
-                        <a:t>1143</a:t>
-                      </a:r>
-                    </a:p>
-                  </a:txBody>
-                  <a:tcPr/>
-                </a:tc>
-                <a:tc>
-                  <a:txBody>
-                    <a:bodyPr/>
-                    <a:lstStyle/>
-                    <a:p>
-                      <a:r>
-                        <a:t>מטפל/ת סיעודי/ת / מט"ב</a:t>
-                      </a:r>
-                    </a:p>
-                  </a:txBody>
-                  <a:tcPr/>
-                </a:tc>
-                <a:tc>
-                  <a:txBody>
-                    <a:bodyPr/>
-                    <a:lstStyle/>
-                    <a:p>
-                      <a:r>
-                        <a:t>6</a:t>
-                      </a:r>
-                    </a:p>
-                  </a:txBody>
-                  <a:tcPr/>
-                </a:tc>
-              </a:tr>
-              <a:tr h="124690">
-                <a:tc>
-                  <a:txBody>
-                    <a:bodyPr/>
-                    <a:lstStyle/>
-                    <a:p>
-                      <a:r>
-                        <a:t>1107</a:t>
-                      </a:r>
-                    </a:p>
-                  </a:txBody>
-                  <a:tcPr/>
-                </a:tc>
-                <a:tc>
-                  <a:txBody>
-                    <a:bodyPr/>
-                    <a:lstStyle/>
-                    <a:p>
-                      <a:r>
-                        <a:t>מאבטח/ת / שומר/ת</a:t>
-                      </a:r>
-                    </a:p>
-                  </a:txBody>
-                  <a:tcPr/>
-                </a:tc>
-                <a:tc>
-                  <a:txBody>
-                    <a:bodyPr/>
-                    <a:lstStyle/>
-                    <a:p>
-                      <a:r>
-                        <a:t>7</a:t>
-                      </a:r>
-                    </a:p>
-                  </a:txBody>
-                  <a:tcPr/>
-                </a:tc>
-              </a:tr>
-              <a:tr h="124690">
-                <a:tc>
-                  <a:txBody>
-                    <a:bodyPr/>
-                    <a:lstStyle/>
-                    <a:p>
-                      <a:r>
-                        <a:t>1096</a:t>
-                      </a:r>
-                    </a:p>
-                  </a:txBody>
-                  <a:tcPr/>
-                </a:tc>
-                <a:tc>
-                  <a:txBody>
-                    <a:bodyPr/>
-                    <a:lstStyle/>
-                    <a:p>
-                      <a:r>
-                        <a:t>עובד/ת ייצור כללי</a:t>
-                      </a:r>
-                    </a:p>
-                  </a:txBody>
-                  <a:tcPr/>
-                </a:tc>
-                <a:tc>
-                  <a:txBody>
-                    <a:bodyPr/>
-                    <a:lstStyle/>
-                    <a:p>
-                      <a:r>
-                        <a:t>8</a:t>
-                      </a:r>
-                    </a:p>
-                  </a:txBody>
-                  <a:tcPr/>
-                </a:tc>
-              </a:tr>
-              <a:tr h="124690">
-                <a:tc>
-                  <a:txBody>
-                    <a:bodyPr/>
-                    <a:lstStyle/>
-                    <a:p>
-                      <a:r>
-                        <a:t>1046</a:t>
-                      </a:r>
-                    </a:p>
-                  </a:txBody>
-                  <a:tcPr/>
-                </a:tc>
-                <a:tc>
-                  <a:txBody>
-                    <a:bodyPr/>
-                    <a:lstStyle/>
-                    <a:p>
-                      <a:r>
-                        <a:t>סייע/ת / מטפל/ת</a:t>
-                      </a:r>
-                    </a:p>
-                  </a:txBody>
-                  <a:tcPr/>
-                </a:tc>
-                <a:tc>
-                  <a:txBody>
-                    <a:bodyPr/>
-                    <a:lstStyle/>
-                    <a:p>
-                      <a:r>
-                        <a:t>9</a:t>
-                      </a:r>
-                    </a:p>
-                  </a:txBody>
-                  <a:tcPr/>
-                </a:tc>
-              </a:tr>
-              <a:tr h="124700">
-                <a:tc>
-                  <a:txBody>
-                    <a:bodyPr/>
-                    <a:lstStyle/>
-                    <a:p>
-                      <a:r>
-                        <a:t>1045</a:t>
-                      </a:r>
-                    </a:p>
-                  </a:txBody>
-                  <a:tcPr/>
-                </a:tc>
-                <a:tc>
-                  <a:txBody>
-                    <a:bodyPr/>
-                    <a:lstStyle/>
-                    <a:p>
-                      <a:r>
-                        <a:t>מזכיר/ה</a:t>
-                      </a:r>
-                    </a:p>
-                  </a:txBody>
-                  <a:tcPr/>
-                </a:tc>
-                <a:tc>
-                  <a:txBody>
-                    <a:bodyPr/>
-                    <a:lstStyle/>
-                    <a:p>
-                      <a:r>
-                        <a:t>10</a:t>
-                      </a:r>
-                    </a:p>
-                  </a:txBody>
-                  <a:tcPr/>
-                </a:tc>
-              </a:tr>
-            </a:tbl>
-          </a:graphicData>
-        </a:graphic>
-      </p:graphicFrame>
+              <a:t>מקצועות שכיחים לפי דירוג לשכת באר שבע</a:t>
+            </a:r>
+          </a:p>
+        </p:txBody>
+      </p:sp>
+      <p:pic>
+        <p:nvPicPr>
+          <p:cNvPr id="4" name="Picture 3" descr="מקצועות שכיחים.png"/>
+          <p:cNvPicPr>
+            <a:picLocks noChangeAspect="1"/>
+          </p:cNvPicPr>
+          <p:nvPr/>
+        </p:nvPicPr>
+        <p:blipFill>
+          <a:blip r:embed="rId3"/>
+          <a:stretch>
+            <a:fillRect/>
+          </a:stretch>
+        </p:blipFill>
+        <p:spPr>
+          <a:xfrm>
+            <a:off x="3657600" y="1371600"/>
+            <a:ext cx="7315200" cy="5486400"/>
+          </a:xfrm>
+          <a:prstGeom prst="rect">
+            <a:avLst/>
+          </a:prstGeom>
+        </p:spPr>
+      </p:pic>
     </p:spTree>
   </p:cSld>
   <p:clrMapOvr>
@@ -3816,14 +3442,542 @@
         </p:blipFill>
         <p:spPr>
           <a:xfrm>
-            <a:off x="1828800" y="1371600"/>
-            <a:ext cx="12527280" cy="7770085"/>
+            <a:off x="1828800" y="1188720"/>
+            <a:ext cx="10774414" cy="6858000"/>
           </a:xfrm>
           <a:prstGeom prst="rect">
             <a:avLst/>
           </a:prstGeom>
         </p:spPr>
       </p:pic>
+    </p:spTree>
+  </p:cSld>
+  <p:clrMapOvr>
+    <a:masterClrMapping/>
+  </p:clrMapOvr>
+</p:sld>
+</file>
+
+<file path=ppt/slides/slide12.xml><?xml version="1.0" encoding="utf-8"?>
+<p:sld xmlns:a="http://schemas.openxmlformats.org/drawingml/2006/main" xmlns:p="http://schemas.openxmlformats.org/presentationml/2006/main" xmlns:r="http://schemas.openxmlformats.org/officeDocument/2006/relationships">
+  <p:cSld>
+    <p:spTree>
+      <p:nvGrpSpPr>
+        <p:cNvPr id="1" name=""/>
+        <p:cNvGrpSpPr/>
+        <p:nvPr/>
+      </p:nvGrpSpPr>
+      <p:grpSpPr/>
+      <p:pic>
+        <p:nvPicPr>
+          <p:cNvPr id="2" name="Picture 1" descr="bck_all_slide.png"/>
+          <p:cNvPicPr>
+            <a:picLocks noChangeAspect="1"/>
+          </p:cNvPicPr>
+          <p:nvPr/>
+        </p:nvPicPr>
+        <p:blipFill>
+          <a:blip r:embed="rId2"/>
+          <a:stretch>
+            <a:fillRect/>
+          </a:stretch>
+        </p:blipFill>
+        <p:spPr>
+          <a:xfrm>
+            <a:off x="0" y="0"/>
+            <a:ext cx="14630400" cy="8229600"/>
+          </a:xfrm>
+          <a:prstGeom prst="rect">
+            <a:avLst/>
+          </a:prstGeom>
+        </p:spPr>
+      </p:pic>
+      <p:sp>
+        <p:nvSpPr>
+          <p:cNvPr id="3" name="TextBox 2"/>
+          <p:cNvSpPr txBox="1"/>
+          <p:nvPr/>
+        </p:nvSpPr>
+        <p:spPr>
+          <a:xfrm>
+            <a:off x="6858000" y="91440"/>
+            <a:ext cx="7315200" cy="914400"/>
+          </a:xfrm>
+          <a:prstGeom prst="rect">
+            <a:avLst/>
+          </a:prstGeom>
+          <a:noFill/>
+        </p:spPr>
+        <p:txBody>
+          <a:bodyPr wrap="none">
+            <a:spAutoFit/>
+          </a:bodyPr>
+          <a:lstStyle/>
+          <a:p/>
+          <a:p>
+            <a:pPr algn="r">
+              <a:defRPr sz="3800" b="1">
+                <a:solidFill>
+                  <a:srgbClr val="FFFFFF"/>
+                </a:solidFill>
+                <a:latin typeface="Ariel"/>
+              </a:defRPr>
+            </a:pPr>
+            <a:r>
+              <a:t>התפלגות משלחי היד - מבט כללי</a:t>
+            </a:r>
+          </a:p>
+        </p:txBody>
+      </p:sp>
+      <p:pic>
+        <p:nvPicPr>
+          <p:cNvPr id="4" name="Picture 3" descr="גרף_מקצועות_ללא_כללי.png"/>
+          <p:cNvPicPr>
+            <a:picLocks noChangeAspect="1"/>
+          </p:cNvPicPr>
+          <p:nvPr/>
+        </p:nvPicPr>
+        <p:blipFill>
+          <a:blip r:embed="rId3"/>
+          <a:stretch>
+            <a:fillRect/>
+          </a:stretch>
+        </p:blipFill>
+        <p:spPr>
+          <a:xfrm>
+            <a:off x="1828800" y="1188720"/>
+            <a:ext cx="10774414" cy="6858000"/>
+          </a:xfrm>
+          <a:prstGeom prst="rect">
+            <a:avLst/>
+          </a:prstGeom>
+        </p:spPr>
+      </p:pic>
+    </p:spTree>
+  </p:cSld>
+  <p:clrMapOvr>
+    <a:masterClrMapping/>
+  </p:clrMapOvr>
+</p:sld>
+</file>
+
+<file path=ppt/slides/slide13.xml><?xml version="1.0" encoding="utf-8"?>
+<p:sld xmlns:a="http://schemas.openxmlformats.org/drawingml/2006/main" xmlns:p="http://schemas.openxmlformats.org/presentationml/2006/main" xmlns:r="http://schemas.openxmlformats.org/officeDocument/2006/relationships">
+  <p:cSld>
+    <p:spTree>
+      <p:nvGrpSpPr>
+        <p:cNvPr id="1" name=""/>
+        <p:cNvGrpSpPr/>
+        <p:nvPr/>
+      </p:nvGrpSpPr>
+      <p:grpSpPr/>
+      <p:pic>
+        <p:nvPicPr>
+          <p:cNvPr id="2" name="Picture 1" descr="bck_all_slide.png"/>
+          <p:cNvPicPr>
+            <a:picLocks noChangeAspect="1"/>
+          </p:cNvPicPr>
+          <p:nvPr/>
+        </p:nvPicPr>
+        <p:blipFill>
+          <a:blip r:embed="rId2"/>
+          <a:stretch>
+            <a:fillRect/>
+          </a:stretch>
+        </p:blipFill>
+        <p:spPr>
+          <a:xfrm>
+            <a:off x="0" y="0"/>
+            <a:ext cx="14630400" cy="8229600"/>
+          </a:xfrm>
+          <a:prstGeom prst="rect">
+            <a:avLst/>
+          </a:prstGeom>
+        </p:spPr>
+      </p:pic>
+      <p:sp>
+        <p:nvSpPr>
+          <p:cNvPr id="3" name="TextBox 2"/>
+          <p:cNvSpPr txBox="1"/>
+          <p:nvPr/>
+        </p:nvSpPr>
+        <p:spPr>
+          <a:xfrm>
+            <a:off x="6858000" y="91440"/>
+            <a:ext cx="7315200" cy="914400"/>
+          </a:xfrm>
+          <a:prstGeom prst="rect">
+            <a:avLst/>
+          </a:prstGeom>
+          <a:noFill/>
+        </p:spPr>
+        <p:txBody>
+          <a:bodyPr wrap="none">
+            <a:spAutoFit/>
+          </a:bodyPr>
+          <a:lstStyle/>
+          <a:p/>
+          <a:p>
+            <a:pPr algn="r">
+              <a:defRPr sz="3800" b="1">
+                <a:solidFill>
+                  <a:srgbClr val="FFFFFF"/>
+                </a:solidFill>
+                <a:latin typeface="Ariel"/>
+              </a:defRPr>
+            </a:pPr>
+            <a:r>
+              <a:t>ענפי מקצועות שכיחים לפי דירוג לשכת באר שבע</a:t>
+            </a:r>
+          </a:p>
+        </p:txBody>
+      </p:sp>
+      <p:pic>
+        <p:nvPicPr>
+          <p:cNvPr id="4" name="Picture 3" descr="ענפי מקצועות שכיחים.png"/>
+          <p:cNvPicPr>
+            <a:picLocks noChangeAspect="1"/>
+          </p:cNvPicPr>
+          <p:nvPr/>
+        </p:nvPicPr>
+        <p:blipFill>
+          <a:blip r:embed="rId3"/>
+          <a:stretch>
+            <a:fillRect/>
+          </a:stretch>
+        </p:blipFill>
+        <p:spPr>
+          <a:xfrm>
+            <a:off x="3657600" y="1371600"/>
+            <a:ext cx="7315200" cy="5486400"/>
+          </a:xfrm>
+          <a:prstGeom prst="rect">
+            <a:avLst/>
+          </a:prstGeom>
+        </p:spPr>
+      </p:pic>
+    </p:spTree>
+  </p:cSld>
+  <p:clrMapOvr>
+    <a:masterClrMapping/>
+  </p:clrMapOvr>
+</p:sld>
+</file>
+
+<file path=ppt/slides/slide14.xml><?xml version="1.0" encoding="utf-8"?>
+<p:sld xmlns:a="http://schemas.openxmlformats.org/drawingml/2006/main" xmlns:p="http://schemas.openxmlformats.org/presentationml/2006/main" xmlns:r="http://schemas.openxmlformats.org/officeDocument/2006/relationships">
+  <p:cSld>
+    <p:spTree>
+      <p:nvGrpSpPr>
+        <p:cNvPr id="1" name=""/>
+        <p:cNvGrpSpPr/>
+        <p:nvPr/>
+      </p:nvGrpSpPr>
+      <p:grpSpPr/>
+      <p:pic>
+        <p:nvPicPr>
+          <p:cNvPr id="2" name="Picture 1" descr="bck_all_slide.png"/>
+          <p:cNvPicPr>
+            <a:picLocks noChangeAspect="1"/>
+          </p:cNvPicPr>
+          <p:nvPr/>
+        </p:nvPicPr>
+        <p:blipFill>
+          <a:blip r:embed="rId2"/>
+          <a:stretch>
+            <a:fillRect/>
+          </a:stretch>
+        </p:blipFill>
+        <p:spPr>
+          <a:xfrm>
+            <a:off x="0" y="0"/>
+            <a:ext cx="14630400" cy="8229600"/>
+          </a:xfrm>
+          <a:prstGeom prst="rect">
+            <a:avLst/>
+          </a:prstGeom>
+        </p:spPr>
+      </p:pic>
+      <p:sp>
+        <p:nvSpPr>
+          <p:cNvPr id="3" name="TextBox 2"/>
+          <p:cNvSpPr txBox="1"/>
+          <p:nvPr/>
+        </p:nvSpPr>
+        <p:spPr>
+          <a:xfrm>
+            <a:off x="6858000" y="91440"/>
+            <a:ext cx="7315200" cy="914400"/>
+          </a:xfrm>
+          <a:prstGeom prst="rect">
+            <a:avLst/>
+          </a:prstGeom>
+          <a:noFill/>
+        </p:spPr>
+        <p:txBody>
+          <a:bodyPr wrap="none">
+            <a:spAutoFit/>
+          </a:bodyPr>
+          <a:lstStyle/>
+          <a:p/>
+          <a:p>
+            <a:pPr algn="r">
+              <a:defRPr sz="3800" b="1">
+                <a:solidFill>
+                  <a:srgbClr val="FFFFFF"/>
+                </a:solidFill>
+                <a:latin typeface="Ariel"/>
+              </a:defRPr>
+            </a:pPr>
+            <a:r>
+              <a:t>התפלגות ענפי משלחי היד - מבט כללי</a:t>
+            </a:r>
+          </a:p>
+        </p:txBody>
+      </p:sp>
+      <p:pic>
+        <p:nvPicPr>
+          <p:cNvPr id="4" name="Picture 3" descr="גרף_ענפים.png"/>
+          <p:cNvPicPr>
+            <a:picLocks noChangeAspect="1"/>
+          </p:cNvPicPr>
+          <p:nvPr/>
+        </p:nvPicPr>
+        <p:blipFill>
+          <a:blip r:embed="rId3"/>
+          <a:stretch>
+            <a:fillRect/>
+          </a:stretch>
+        </p:blipFill>
+        <p:spPr>
+          <a:xfrm>
+            <a:off x="1828800" y="1188720"/>
+            <a:ext cx="11354901" cy="6858000"/>
+          </a:xfrm>
+          <a:prstGeom prst="rect">
+            <a:avLst/>
+          </a:prstGeom>
+        </p:spPr>
+      </p:pic>
+    </p:spTree>
+  </p:cSld>
+  <p:clrMapOvr>
+    <a:masterClrMapping/>
+  </p:clrMapOvr>
+</p:sld>
+</file>
+
+<file path=ppt/slides/slide15.xml><?xml version="1.0" encoding="utf-8"?>
+<p:sld xmlns:a="http://schemas.openxmlformats.org/drawingml/2006/main" xmlns:p="http://schemas.openxmlformats.org/presentationml/2006/main" xmlns:r="http://schemas.openxmlformats.org/officeDocument/2006/relationships">
+  <p:cSld>
+    <p:spTree>
+      <p:nvGrpSpPr>
+        <p:cNvPr id="1" name=""/>
+        <p:cNvGrpSpPr/>
+        <p:nvPr/>
+      </p:nvGrpSpPr>
+      <p:grpSpPr/>
+      <p:pic>
+        <p:nvPicPr>
+          <p:cNvPr id="2" name="Picture 1" descr="bck_all_slide.png"/>
+          <p:cNvPicPr>
+            <a:picLocks noChangeAspect="1"/>
+          </p:cNvPicPr>
+          <p:nvPr/>
+        </p:nvPicPr>
+        <p:blipFill>
+          <a:blip r:embed="rId2"/>
+          <a:stretch>
+            <a:fillRect/>
+          </a:stretch>
+        </p:blipFill>
+        <p:spPr>
+          <a:xfrm>
+            <a:off x="0" y="0"/>
+            <a:ext cx="14630400" cy="8229600"/>
+          </a:xfrm>
+          <a:prstGeom prst="rect">
+            <a:avLst/>
+          </a:prstGeom>
+        </p:spPr>
+      </p:pic>
+      <p:sp>
+        <p:nvSpPr>
+          <p:cNvPr id="3" name="TextBox 2"/>
+          <p:cNvSpPr txBox="1"/>
+          <p:nvPr/>
+        </p:nvSpPr>
+        <p:spPr>
+          <a:xfrm>
+            <a:off x="6858000" y="91440"/>
+            <a:ext cx="7315200" cy="914400"/>
+          </a:xfrm>
+          <a:prstGeom prst="rect">
+            <a:avLst/>
+          </a:prstGeom>
+          <a:noFill/>
+        </p:spPr>
+        <p:txBody>
+          <a:bodyPr wrap="none">
+            <a:spAutoFit/>
+          </a:bodyPr>
+          <a:lstStyle/>
+          <a:p/>
+          <a:p>
+            <a:pPr algn="r">
+              <a:defRPr sz="3800" b="1">
+                <a:solidFill>
+                  <a:srgbClr val="FFFFFF"/>
+                </a:solidFill>
+                <a:latin typeface="Ariel"/>
+              </a:defRPr>
+            </a:pPr>
+            <a:r>
+              <a:t>התפלגות ענפי משלחי היד - מבט כללי</a:t>
+            </a:r>
+          </a:p>
+        </p:txBody>
+      </p:sp>
+      <p:pic>
+        <p:nvPicPr>
+          <p:cNvPr id="4" name="Picture 3" descr="גרף_ענפים_ללא_כללי.png"/>
+          <p:cNvPicPr>
+            <a:picLocks noChangeAspect="1"/>
+          </p:cNvPicPr>
+          <p:nvPr/>
+        </p:nvPicPr>
+        <p:blipFill>
+          <a:blip r:embed="rId3"/>
+          <a:stretch>
+            <a:fillRect/>
+          </a:stretch>
+        </p:blipFill>
+        <p:spPr>
+          <a:xfrm>
+            <a:off x="1828800" y="1188720"/>
+            <a:ext cx="11354901" cy="6858000"/>
+          </a:xfrm>
+          <a:prstGeom prst="rect">
+            <a:avLst/>
+          </a:prstGeom>
+        </p:spPr>
+      </p:pic>
+    </p:spTree>
+  </p:cSld>
+  <p:clrMapOvr>
+    <a:masterClrMapping/>
+  </p:clrMapOvr>
+</p:sld>
+</file>
+
+<file path=ppt/slides/slide16.xml><?xml version="1.0" encoding="utf-8"?>
+<p:sld xmlns:a="http://schemas.openxmlformats.org/drawingml/2006/main" xmlns:p="http://schemas.openxmlformats.org/presentationml/2006/main" xmlns:r="http://schemas.openxmlformats.org/officeDocument/2006/relationships">
+  <p:cSld>
+    <p:spTree>
+      <p:nvGrpSpPr>
+        <p:cNvPr id="1" name=""/>
+        <p:cNvGrpSpPr/>
+        <p:nvPr/>
+      </p:nvGrpSpPr>
+      <p:grpSpPr/>
+      <p:pic>
+        <p:nvPicPr>
+          <p:cNvPr id="2" name="Picture 1" descr="bck_all_slide.png"/>
+          <p:cNvPicPr>
+            <a:picLocks noChangeAspect="1"/>
+          </p:cNvPicPr>
+          <p:nvPr/>
+        </p:nvPicPr>
+        <p:blipFill>
+          <a:blip r:embed="rId2"/>
+          <a:stretch>
+            <a:fillRect/>
+          </a:stretch>
+        </p:blipFill>
+        <p:spPr>
+          <a:xfrm>
+            <a:off x="0" y="0"/>
+            <a:ext cx="14630400" cy="8229600"/>
+          </a:xfrm>
+          <a:prstGeom prst="rect">
+            <a:avLst/>
+          </a:prstGeom>
+        </p:spPr>
+      </p:pic>
+      <p:sp>
+        <p:nvSpPr>
+          <p:cNvPr id="3" name="TextBox 2"/>
+          <p:cNvSpPr txBox="1"/>
+          <p:nvPr/>
+        </p:nvSpPr>
+        <p:spPr>
+          <a:xfrm>
+            <a:off x="6858000" y="91440"/>
+            <a:ext cx="7315200" cy="914400"/>
+          </a:xfrm>
+          <a:prstGeom prst="rect">
+            <a:avLst/>
+          </a:prstGeom>
+          <a:noFill/>
+        </p:spPr>
+        <p:txBody>
+          <a:bodyPr wrap="none">
+            <a:spAutoFit/>
+          </a:bodyPr>
+          <a:lstStyle/>
+          <a:p/>
+          <a:p>
+            <a:pPr algn="r">
+              <a:defRPr sz="3800" b="1">
+                <a:solidFill>
+                  <a:srgbClr val="FFFFFF"/>
+                </a:solidFill>
+                <a:latin typeface="Ariel"/>
+              </a:defRPr>
+            </a:pPr>
+            <a:r>
+              <a:t>שורות תחתונות</a:t>
+            </a:r>
+          </a:p>
+        </p:txBody>
+      </p:sp>
+      <p:sp>
+        <p:nvSpPr>
+          <p:cNvPr id="4" name="TextBox 3"/>
+          <p:cNvSpPr txBox="1"/>
+          <p:nvPr/>
+        </p:nvSpPr>
+        <p:spPr>
+          <a:xfrm>
+            <a:off x="5394960" y="1828800"/>
+            <a:ext cx="9144000" cy="1371600"/>
+          </a:xfrm>
+          <a:prstGeom prst="rect">
+            <a:avLst/>
+          </a:prstGeom>
+          <a:noFill/>
+        </p:spPr>
+        <p:txBody>
+          <a:bodyPr wrap="none">
+            <a:spAutoFit/>
+          </a:bodyPr>
+          <a:lstStyle/>
+          <a:p/>
+          <a:p>
+            <a:pPr algn="r">
+              <a:defRPr sz="2500">
+                <a:solidFill>
+                  <a:srgbClr val="A9A9A9"/>
+                </a:solidFill>
+                <a:latin typeface="Ariel"/>
+              </a:defRPr>
+            </a:pPr>
+            <a:r>
+              <a:t>ניתן להכניס טקסט כאן</a:t>
+            </a:r>
+          </a:p>
+        </p:txBody>
+      </p:sp>
     </p:spTree>
   </p:cSld>
   <p:clrMapOvr>
@@ -3930,17 +4084,17 @@
               <a:defRPr sz="3500" b="1"/>
             </a:pPr>
             <a:r>
-              <a:t>563,901סך הכל דורשי עבודה בכלל הארץ  </a:t>
+              <a:t>464,246סך הכל דורשי עבודה בכלל הארץ  </a:t>
             </a:r>
             <a:br/>
             <a:br/>
             <a:r>
-              <a:t>91,677סך הכל דורשי עבודה במחוז דרום  </a:t>
+              <a:t>80,468סך הכל דורשי עבודה במחוז דרום  </a:t>
             </a:r>
             <a:br/>
             <a:br/>
             <a:r>
-              <a:t>23,839סך הכל דורשי עבודה בלשכת באר שבע  </a:t>
+              <a:t>22,104סך הכל דורשי עבודה בלשכת באר שבע  </a:t>
             </a:r>
             <a:br/>
             <a:br/>
@@ -4042,8 +4196,8 @@
         </p:blipFill>
         <p:spPr>
           <a:xfrm>
-            <a:off x="0" y="1645920"/>
-            <a:ext cx="4876800" cy="4828894"/>
+            <a:off x="0" y="1371600"/>
+            <a:ext cx="4876800" cy="4069383"/>
           </a:xfrm>
           <a:prstGeom prst="rect">
             <a:avLst/>
@@ -4066,8 +4220,8 @@
         </p:blipFill>
         <p:spPr>
           <a:xfrm>
-            <a:off x="4876800" y="1645920"/>
-            <a:ext cx="4876800" cy="4838400"/>
+            <a:off x="4876800" y="1371600"/>
+            <a:ext cx="4876800" cy="4069383"/>
           </a:xfrm>
           <a:prstGeom prst="rect">
             <a:avLst/>
@@ -4090,8 +4244,69 @@
         </p:blipFill>
         <p:spPr>
           <a:xfrm>
-            <a:off x="9753600" y="1645920"/>
-            <a:ext cx="4876800" cy="4838400"/>
+            <a:off x="9753600" y="1371600"/>
+            <a:ext cx="4876800" cy="4076131"/>
+          </a:xfrm>
+          <a:prstGeom prst="rect">
+            <a:avLst/>
+          </a:prstGeom>
+        </p:spPr>
+      </p:pic>
+      <p:sp>
+        <p:nvSpPr>
+          <p:cNvPr id="7" name="TextBox 6"/>
+          <p:cNvSpPr txBox="1"/>
+          <p:nvPr/>
+        </p:nvSpPr>
+        <p:spPr>
+          <a:xfrm>
+            <a:off x="5394960" y="6858000"/>
+            <a:ext cx="9144000" cy="1371600"/>
+          </a:xfrm>
+          <a:prstGeom prst="rect">
+            <a:avLst/>
+          </a:prstGeom>
+          <a:noFill/>
+        </p:spPr>
+        <p:txBody>
+          <a:bodyPr wrap="none">
+            <a:spAutoFit/>
+          </a:bodyPr>
+          <a:lstStyle/>
+          <a:p/>
+          <a:p>
+            <a:pPr algn="r">
+              <a:defRPr sz="2500">
+                <a:solidFill>
+                  <a:srgbClr val="A9A9A9"/>
+                </a:solidFill>
+                <a:latin typeface="Ariel"/>
+              </a:defRPr>
+            </a:pPr>
+            <a:r>
+              <a:t>ניתן להכניס טקסט כאן</a:t>
+            </a:r>
+          </a:p>
+        </p:txBody>
+      </p:sp>
+      <p:pic>
+        <p:nvPicPr>
+          <p:cNvPr id="8" name="Picture 7" descr="סוג תביעה.png"/>
+          <p:cNvPicPr>
+            <a:picLocks noChangeAspect="1"/>
+          </p:cNvPicPr>
+          <p:nvPr/>
+        </p:nvPicPr>
+        <p:blipFill>
+          <a:blip r:embed="rId6"/>
+          <a:stretch>
+            <a:fillRect/>
+          </a:stretch>
+        </p:blipFill>
+        <p:spPr>
+          <a:xfrm>
+            <a:off x="182880" y="6400800"/>
+            <a:ext cx="4572000" cy="1676927"/>
           </a:xfrm>
           <a:prstGeom prst="rect">
             <a:avLst/>
@@ -4148,7 +4363,7 @@
         </p:nvSpPr>
         <p:spPr>
           <a:xfrm>
-            <a:off x="5943600" y="91440"/>
+            <a:off x="6858000" y="91440"/>
             <a:ext cx="7315200" cy="914400"/>
           </a:xfrm>
           <a:prstGeom prst="rect">
@@ -4193,8 +4408,69 @@
         </p:blipFill>
         <p:spPr>
           <a:xfrm>
-            <a:off x="2743200" y="1645920"/>
-            <a:ext cx="8631936" cy="4324158"/>
+            <a:off x="1828800" y="1097280"/>
+            <a:ext cx="10972800" cy="4995746"/>
+          </a:xfrm>
+          <a:prstGeom prst="rect">
+            <a:avLst/>
+          </a:prstGeom>
+        </p:spPr>
+      </p:pic>
+      <p:sp>
+        <p:nvSpPr>
+          <p:cNvPr id="5" name="TextBox 4"/>
+          <p:cNvSpPr txBox="1"/>
+          <p:nvPr/>
+        </p:nvSpPr>
+        <p:spPr>
+          <a:xfrm>
+            <a:off x="5394960" y="6858000"/>
+            <a:ext cx="9144000" cy="1371600"/>
+          </a:xfrm>
+          <a:prstGeom prst="rect">
+            <a:avLst/>
+          </a:prstGeom>
+          <a:noFill/>
+        </p:spPr>
+        <p:txBody>
+          <a:bodyPr wrap="none">
+            <a:spAutoFit/>
+          </a:bodyPr>
+          <a:lstStyle/>
+          <a:p/>
+          <a:p>
+            <a:pPr algn="r">
+              <a:defRPr sz="2500">
+                <a:solidFill>
+                  <a:srgbClr val="A9A9A9"/>
+                </a:solidFill>
+                <a:latin typeface="Ariel"/>
+              </a:defRPr>
+            </a:pPr>
+            <a:r>
+              <a:t>ניתן להכניס טקסט כאן</a:t>
+            </a:r>
+          </a:p>
+        </p:txBody>
+      </p:sp>
+      <p:pic>
+        <p:nvPicPr>
+          <p:cNvPr id="6" name="Picture 5" descr="סיבת רישום.png"/>
+          <p:cNvPicPr>
+            <a:picLocks noChangeAspect="1"/>
+          </p:cNvPicPr>
+          <p:nvPr/>
+        </p:nvPicPr>
+        <p:blipFill>
+          <a:blip r:embed="rId4"/>
+          <a:stretch>
+            <a:fillRect/>
+          </a:stretch>
+        </p:blipFill>
+        <p:spPr>
+          <a:xfrm>
+            <a:off x="182880" y="6217920"/>
+            <a:ext cx="4572000" cy="1857375"/>
           </a:xfrm>
           <a:prstGeom prst="rect">
             <a:avLst/>
@@ -4296,8 +4572,69 @@
         </p:blipFill>
         <p:spPr>
           <a:xfrm>
-            <a:off x="2743200" y="1645920"/>
-            <a:ext cx="8909905" cy="5029200"/>
+            <a:off x="2743200" y="1371600"/>
+            <a:ext cx="8994531" cy="5029200"/>
+          </a:xfrm>
+          <a:prstGeom prst="rect">
+            <a:avLst/>
+          </a:prstGeom>
+        </p:spPr>
+      </p:pic>
+      <p:sp>
+        <p:nvSpPr>
+          <p:cNvPr id="5" name="TextBox 4"/>
+          <p:cNvSpPr txBox="1"/>
+          <p:nvPr/>
+        </p:nvSpPr>
+        <p:spPr>
+          <a:xfrm>
+            <a:off x="5394960" y="6858000"/>
+            <a:ext cx="9144000" cy="1371600"/>
+          </a:xfrm>
+          <a:prstGeom prst="rect">
+            <a:avLst/>
+          </a:prstGeom>
+          <a:noFill/>
+        </p:spPr>
+        <p:txBody>
+          <a:bodyPr wrap="none">
+            <a:spAutoFit/>
+          </a:bodyPr>
+          <a:lstStyle/>
+          <a:p/>
+          <a:p>
+            <a:pPr algn="r">
+              <a:defRPr sz="2500">
+                <a:solidFill>
+                  <a:srgbClr val="A9A9A9"/>
+                </a:solidFill>
+                <a:latin typeface="Ariel"/>
+              </a:defRPr>
+            </a:pPr>
+            <a:r>
+              <a:t>ניתן להכניס טקסט כאן</a:t>
+            </a:r>
+          </a:p>
+        </p:txBody>
+      </p:sp>
+      <p:pic>
+        <p:nvPicPr>
+          <p:cNvPr id="6" name="Picture 5" descr="מגדר.png"/>
+          <p:cNvPicPr>
+            <a:picLocks noChangeAspect="1"/>
+          </p:cNvPicPr>
+          <p:nvPr/>
+        </p:nvPicPr>
+        <p:blipFill>
+          <a:blip r:embed="rId4"/>
+          <a:stretch>
+            <a:fillRect/>
+          </a:stretch>
+        </p:blipFill>
+        <p:spPr>
+          <a:xfrm>
+            <a:off x="182880" y="6766560"/>
+            <a:ext cx="4572000" cy="1297246"/>
           </a:xfrm>
           <a:prstGeom prst="rect">
             <a:avLst/>
@@ -4399,8 +4736,69 @@
         </p:blipFill>
         <p:spPr>
           <a:xfrm>
-            <a:off x="3200400" y="1463040"/>
-            <a:ext cx="7315200" cy="5859262"/>
+            <a:off x="5212080" y="1463040"/>
+            <a:ext cx="9144000" cy="5660061"/>
+          </a:xfrm>
+          <a:prstGeom prst="rect">
+            <a:avLst/>
+          </a:prstGeom>
+        </p:spPr>
+      </p:pic>
+      <p:sp>
+        <p:nvSpPr>
+          <p:cNvPr id="5" name="TextBox 4"/>
+          <p:cNvSpPr txBox="1"/>
+          <p:nvPr/>
+        </p:nvSpPr>
+        <p:spPr>
+          <a:xfrm>
+            <a:off x="5394960" y="6858000"/>
+            <a:ext cx="9144000" cy="1371600"/>
+          </a:xfrm>
+          <a:prstGeom prst="rect">
+            <a:avLst/>
+          </a:prstGeom>
+          <a:noFill/>
+        </p:spPr>
+        <p:txBody>
+          <a:bodyPr wrap="none">
+            <a:spAutoFit/>
+          </a:bodyPr>
+          <a:lstStyle/>
+          <a:p/>
+          <a:p>
+            <a:pPr algn="r">
+              <a:defRPr sz="2500">
+                <a:solidFill>
+                  <a:srgbClr val="A9A9A9"/>
+                </a:solidFill>
+                <a:latin typeface="Ariel"/>
+              </a:defRPr>
+            </a:pPr>
+            <a:r>
+              <a:t>ניתן להכניס טקסט כאן</a:t>
+            </a:r>
+          </a:p>
+        </p:txBody>
+      </p:sp>
+      <p:pic>
+        <p:nvPicPr>
+          <p:cNvPr id="6" name="Picture 5" descr="גיל.png"/>
+          <p:cNvPicPr>
+            <a:picLocks noChangeAspect="1"/>
+          </p:cNvPicPr>
+          <p:nvPr/>
+        </p:nvPicPr>
+        <p:blipFill>
+          <a:blip r:embed="rId4"/>
+          <a:stretch>
+            <a:fillRect/>
+          </a:stretch>
+        </p:blipFill>
+        <p:spPr>
+          <a:xfrm>
+            <a:off x="182880" y="1554480"/>
+            <a:ext cx="4572000" cy="4342609"/>
           </a:xfrm>
           <a:prstGeom prst="rect">
             <a:avLst/>
@@ -4502,8 +4900,8 @@
         </p:blipFill>
         <p:spPr>
           <a:xfrm>
-            <a:off x="0" y="1645920"/>
-            <a:ext cx="4876800" cy="4329301"/>
+            <a:off x="0" y="1371600"/>
+            <a:ext cx="4876800" cy="4275962"/>
           </a:xfrm>
           <a:prstGeom prst="rect">
             <a:avLst/>
@@ -4526,8 +4924,8 @@
         </p:blipFill>
         <p:spPr>
           <a:xfrm>
-            <a:off x="4876800" y="1645920"/>
-            <a:ext cx="4876800" cy="4275962"/>
+            <a:off x="4876800" y="1371600"/>
+            <a:ext cx="4876800" cy="4148194"/>
           </a:xfrm>
           <a:prstGeom prst="rect">
             <a:avLst/>
@@ -4550,8 +4948,69 @@
         </p:blipFill>
         <p:spPr>
           <a:xfrm>
-            <a:off x="9753600" y="1645920"/>
-            <a:ext cx="4876800" cy="4284760"/>
+            <a:off x="9753600" y="1371600"/>
+            <a:ext cx="4876800" cy="4131733"/>
+          </a:xfrm>
+          <a:prstGeom prst="rect">
+            <a:avLst/>
+          </a:prstGeom>
+        </p:spPr>
+      </p:pic>
+      <p:sp>
+        <p:nvSpPr>
+          <p:cNvPr id="7" name="TextBox 6"/>
+          <p:cNvSpPr txBox="1"/>
+          <p:nvPr/>
+        </p:nvSpPr>
+        <p:spPr>
+          <a:xfrm>
+            <a:off x="5394960" y="6858000"/>
+            <a:ext cx="9144000" cy="1371600"/>
+          </a:xfrm>
+          <a:prstGeom prst="rect">
+            <a:avLst/>
+          </a:prstGeom>
+          <a:noFill/>
+        </p:spPr>
+        <p:txBody>
+          <a:bodyPr wrap="none">
+            <a:spAutoFit/>
+          </a:bodyPr>
+          <a:lstStyle/>
+          <a:p/>
+          <a:p>
+            <a:pPr algn="r">
+              <a:defRPr sz="2500">
+                <a:solidFill>
+                  <a:srgbClr val="A9A9A9"/>
+                </a:solidFill>
+                <a:latin typeface="Ariel"/>
+              </a:defRPr>
+            </a:pPr>
+            <a:r>
+              <a:t>ניתן להכניס טקסט כאן</a:t>
+            </a:r>
+          </a:p>
+        </p:txBody>
+      </p:sp>
+      <p:pic>
+        <p:nvPicPr>
+          <p:cNvPr id="8" name="Picture 7" descr="רמת השכלה.png"/>
+          <p:cNvPicPr>
+            <a:picLocks noChangeAspect="1"/>
+          </p:cNvPicPr>
+          <p:nvPr/>
+        </p:nvPicPr>
+        <p:blipFill>
+          <a:blip r:embed="rId6"/>
+          <a:stretch>
+            <a:fillRect/>
+          </a:stretch>
+        </p:blipFill>
+        <p:spPr>
+          <a:xfrm>
+            <a:off x="182880" y="5760720"/>
+            <a:ext cx="3657600" cy="2252778"/>
           </a:xfrm>
           <a:prstGeom prst="rect">
             <a:avLst/>
@@ -4653,8 +5112,69 @@
         </p:blipFill>
         <p:spPr>
           <a:xfrm>
-            <a:off x="2743200" y="1645920"/>
-            <a:ext cx="9632587" cy="5029200"/>
+            <a:off x="2743200" y="1371600"/>
+            <a:ext cx="8819670" cy="4572000"/>
+          </a:xfrm>
+          <a:prstGeom prst="rect">
+            <a:avLst/>
+          </a:prstGeom>
+        </p:spPr>
+      </p:pic>
+      <p:sp>
+        <p:nvSpPr>
+          <p:cNvPr id="5" name="TextBox 4"/>
+          <p:cNvSpPr txBox="1"/>
+          <p:nvPr/>
+        </p:nvSpPr>
+        <p:spPr>
+          <a:xfrm>
+            <a:off x="5394960" y="6858000"/>
+            <a:ext cx="9144000" cy="1371600"/>
+          </a:xfrm>
+          <a:prstGeom prst="rect">
+            <a:avLst/>
+          </a:prstGeom>
+          <a:noFill/>
+        </p:spPr>
+        <p:txBody>
+          <a:bodyPr wrap="none">
+            <a:spAutoFit/>
+          </a:bodyPr>
+          <a:lstStyle/>
+          <a:p/>
+          <a:p>
+            <a:pPr algn="r">
+              <a:defRPr sz="2500">
+                <a:solidFill>
+                  <a:srgbClr val="A9A9A9"/>
+                </a:solidFill>
+                <a:latin typeface="Ariel"/>
+              </a:defRPr>
+            </a:pPr>
+            <a:r>
+              <a:t>ניתן להכניס טקסט כאן</a:t>
+            </a:r>
+          </a:p>
+        </p:txBody>
+      </p:sp>
+      <p:pic>
+        <p:nvPicPr>
+          <p:cNvPr id="6" name="Picture 5" descr="מצב משפחתי.png"/>
+          <p:cNvPicPr>
+            <a:picLocks noChangeAspect="1"/>
+          </p:cNvPicPr>
+          <p:nvPr/>
+        </p:nvPicPr>
+        <p:blipFill>
+          <a:blip r:embed="rId4"/>
+          <a:stretch>
+            <a:fillRect/>
+          </a:stretch>
+        </p:blipFill>
+        <p:spPr>
+          <a:xfrm>
+            <a:off x="182880" y="6400800"/>
+            <a:ext cx="4572000" cy="1676927"/>
           </a:xfrm>
           <a:prstGeom prst="rect">
             <a:avLst/>
@@ -4756,8 +5276,69 @@
         </p:blipFill>
         <p:spPr>
           <a:xfrm>
-            <a:off x="2743200" y="1371600"/>
-            <a:ext cx="10789920" cy="6005429"/>
+            <a:off x="3200400" y="1371600"/>
+            <a:ext cx="9473045" cy="4572000"/>
+          </a:xfrm>
+          <a:prstGeom prst="rect">
+            <a:avLst/>
+          </a:prstGeom>
+        </p:spPr>
+      </p:pic>
+      <p:sp>
+        <p:nvSpPr>
+          <p:cNvPr id="5" name="TextBox 4"/>
+          <p:cNvSpPr txBox="1"/>
+          <p:nvPr/>
+        </p:nvSpPr>
+        <p:spPr>
+          <a:xfrm>
+            <a:off x="5394960" y="6858000"/>
+            <a:ext cx="9144000" cy="1371600"/>
+          </a:xfrm>
+          <a:prstGeom prst="rect">
+            <a:avLst/>
+          </a:prstGeom>
+          <a:noFill/>
+        </p:spPr>
+        <p:txBody>
+          <a:bodyPr wrap="none">
+            <a:spAutoFit/>
+          </a:bodyPr>
+          <a:lstStyle/>
+          <a:p/>
+          <a:p>
+            <a:pPr algn="r">
+              <a:defRPr sz="2500">
+                <a:solidFill>
+                  <a:srgbClr val="A9A9A9"/>
+                </a:solidFill>
+                <a:latin typeface="Ariel"/>
+              </a:defRPr>
+            </a:pPr>
+            <a:r>
+              <a:t>ניתן להכניס טקסט כאן</a:t>
+            </a:r>
+          </a:p>
+        </p:txBody>
+      </p:sp>
+      <p:pic>
+        <p:nvPicPr>
+          <p:cNvPr id="6" name="Picture 5" descr="כמות ילדים.png"/>
+          <p:cNvPicPr>
+            <a:picLocks noChangeAspect="1"/>
+          </p:cNvPicPr>
+          <p:nvPr/>
+        </p:nvPicPr>
+        <p:blipFill>
+          <a:blip r:embed="rId4"/>
+          <a:stretch>
+            <a:fillRect/>
+          </a:stretch>
+        </p:blipFill>
+        <p:spPr>
+          <a:xfrm>
+            <a:off x="182880" y="6126480"/>
+            <a:ext cx="3657600" cy="1949033"/>
           </a:xfrm>
           <a:prstGeom prst="rect">
             <a:avLst/>
